--- a/Proyecto.pptx
+++ b/Proyecto.pptx
@@ -6162,11 +6162,37 @@
           <a:lstStyle/>
           <a:p>
             <a:r>
-              <a:rPr lang="es-MX" dirty="0"/>
+              <a:rPr lang="es-MX" sz="2000" dirty="0" err="1"/>
+              <a:t>Product</a:t>
+            </a:r>
+            <a:r>
+              <a:rPr lang="es-MX" sz="2000" dirty="0"/>
+              <a:t> </a:t>
+            </a:r>
+            <a:r>
+              <a:rPr lang="es-MX" sz="2000" dirty="0" err="1"/>
+              <a:t>Owner</a:t>
+            </a:r>
+            <a:r>
+              <a:rPr lang="es-MX" sz="2000" dirty="0"/>
+              <a:t> </a:t>
+            </a:r>
+            <a:r>
+              <a:rPr lang="es-MX" sz="2000" dirty="0">
+                <a:solidFill>
+                  <a:srgbClr val="002060"/>
+                </a:solidFill>
+              </a:rPr>
+              <a:t>Pablo Salazar</a:t>
+            </a:r>
+          </a:p>
+          <a:p>
+            <a:r>
+              <a:rPr lang="es-MX" sz="2000" dirty="0"/>
               <a:t> Proyect Manager  </a:t>
             </a:r>
             <a:r>
-              <a:rPr lang="es-MX" dirty="0">
+              <a:rPr lang="es-MX" sz="2000" dirty="0">
                 <a:solidFill>
                   <a:srgbClr val="002060"/>
                 </a:solidFill>
@@ -6176,17 +6202,17 @@
           </a:p>
           <a:p>
             <a:r>
-              <a:rPr lang="es-MX" dirty="0" err="1"/>
+              <a:rPr lang="es-MX" sz="2000" dirty="0" err="1"/>
               <a:t>Iteration</a:t>
             </a:r>
             <a:r>
-              <a:rPr lang="es-MX" dirty="0"/>
+              <a:rPr lang="es-MX" sz="2000" dirty="0"/>
               <a:t> manager   </a:t>
             </a:r>
             <a:r>
-              <a:rPr lang="es-MX" dirty="0">
+              <a:rPr lang="es-MX" sz="2000" dirty="0">
                 <a:solidFill>
-                  <a:srgbClr val="002060"/>
+                  <a:schemeClr val="bg1"/>
                 </a:solidFill>
               </a:rPr>
               <a:t>Sergio becerra delgado</a:t>
@@ -6194,25 +6220,25 @@
           </a:p>
           <a:p>
             <a:r>
-              <a:rPr lang="es-MX" dirty="0" err="1"/>
+              <a:rPr lang="es-MX" sz="2000" dirty="0" err="1"/>
               <a:t>Team</a:t>
             </a:r>
             <a:r>
-              <a:rPr lang="es-MX" dirty="0"/>
+              <a:rPr lang="es-MX" sz="2000" dirty="0"/>
               <a:t> </a:t>
             </a:r>
             <a:r>
-              <a:rPr lang="es-MX" dirty="0" err="1"/>
+              <a:rPr lang="es-MX" sz="2000" dirty="0" err="1"/>
               <a:t>DEveloper</a:t>
             </a:r>
             <a:r>
-              <a:rPr lang="es-MX" dirty="0"/>
+              <a:rPr lang="es-MX" sz="2000" dirty="0"/>
               <a:t> </a:t>
             </a:r>
             <a:r>
-              <a:rPr lang="es-MX" dirty="0">
+              <a:rPr lang="es-MX" sz="2000" dirty="0">
                 <a:solidFill>
-                  <a:srgbClr val="002060"/>
+                  <a:schemeClr val="bg1"/>
                 </a:solidFill>
               </a:rPr>
               <a:t>Simón pedro olmos Martínez</a:t>
@@ -6220,44 +6246,44 @@
           </a:p>
           <a:p>
             <a:r>
-              <a:rPr lang="es-MX" dirty="0"/>
+              <a:rPr lang="es-MX" sz="2000" dirty="0"/>
               <a:t>  </a:t>
             </a:r>
             <a:r>
-              <a:rPr lang="es-MX" dirty="0" err="1"/>
+              <a:rPr lang="es-MX" sz="2000" dirty="0" err="1"/>
               <a:t>Team</a:t>
             </a:r>
             <a:r>
-              <a:rPr lang="es-MX" dirty="0"/>
+              <a:rPr lang="es-MX" sz="2000" dirty="0"/>
               <a:t> </a:t>
             </a:r>
             <a:r>
-              <a:rPr lang="es-MX" dirty="0" err="1"/>
+              <a:rPr lang="es-MX" sz="2000" dirty="0" err="1"/>
               <a:t>developer</a:t>
             </a:r>
             <a:r>
-              <a:rPr lang="es-MX" dirty="0"/>
+              <a:rPr lang="es-MX" sz="2000" dirty="0"/>
               <a:t>  </a:t>
             </a:r>
             <a:r>
-              <a:rPr lang="es-MX" dirty="0">
+              <a:rPr lang="es-MX" sz="2000" dirty="0">
                 <a:solidFill>
-                  <a:srgbClr val="002060"/>
+                  <a:schemeClr val="bg1"/>
                 </a:solidFill>
               </a:rPr>
               <a:t>Rodolfo Hernández </a:t>
             </a:r>
             <a:r>
-              <a:rPr lang="es-MX" dirty="0" err="1">
+              <a:rPr lang="es-MX" sz="2000" dirty="0" err="1">
                 <a:solidFill>
-                  <a:srgbClr val="002060"/>
+                  <a:schemeClr val="bg1"/>
                 </a:solidFill>
               </a:rPr>
               <a:t>alvarez</a:t>
             </a:r>
-            <a:endParaRPr lang="es-MX" dirty="0">
+            <a:endParaRPr lang="es-MX" sz="2000" dirty="0">
               <a:solidFill>
-                <a:srgbClr val="002060"/>
+                <a:schemeClr val="bg1"/>
               </a:solidFill>
             </a:endParaRPr>
           </a:p>
